--- a/figures/overview.pptx
+++ b/figures/overview.pptx
@@ -243,7 +243,7 @@
           <a:p>
             <a:fld id="{5CE694BB-E07A-4072-9D50-82589D44789C}" type="datetimeFigureOut">
               <a:rPr lang="en-US" smtClean="0"/>
-              <a:t>7/5/2017</a:t>
+              <a:t>7/6/2017</a:t>
             </a:fld>
             <a:endParaRPr lang="en-US"/>
           </a:p>
@@ -413,7 +413,7 @@
           <a:p>
             <a:fld id="{5CE694BB-E07A-4072-9D50-82589D44789C}" type="datetimeFigureOut">
               <a:rPr lang="en-US" smtClean="0"/>
-              <a:t>7/5/2017</a:t>
+              <a:t>7/6/2017</a:t>
             </a:fld>
             <a:endParaRPr lang="en-US"/>
           </a:p>
@@ -593,7 +593,7 @@
           <a:p>
             <a:fld id="{5CE694BB-E07A-4072-9D50-82589D44789C}" type="datetimeFigureOut">
               <a:rPr lang="en-US" smtClean="0"/>
-              <a:t>7/5/2017</a:t>
+              <a:t>7/6/2017</a:t>
             </a:fld>
             <a:endParaRPr lang="en-US"/>
           </a:p>
@@ -763,7 +763,7 @@
           <a:p>
             <a:fld id="{5CE694BB-E07A-4072-9D50-82589D44789C}" type="datetimeFigureOut">
               <a:rPr lang="en-US" smtClean="0"/>
-              <a:t>7/5/2017</a:t>
+              <a:t>7/6/2017</a:t>
             </a:fld>
             <a:endParaRPr lang="en-US"/>
           </a:p>
@@ -1007,7 +1007,7 @@
           <a:p>
             <a:fld id="{5CE694BB-E07A-4072-9D50-82589D44789C}" type="datetimeFigureOut">
               <a:rPr lang="en-US" smtClean="0"/>
-              <a:t>7/5/2017</a:t>
+              <a:t>7/6/2017</a:t>
             </a:fld>
             <a:endParaRPr lang="en-US"/>
           </a:p>
@@ -1239,7 +1239,7 @@
           <a:p>
             <a:fld id="{5CE694BB-E07A-4072-9D50-82589D44789C}" type="datetimeFigureOut">
               <a:rPr lang="en-US" smtClean="0"/>
-              <a:t>7/5/2017</a:t>
+              <a:t>7/6/2017</a:t>
             </a:fld>
             <a:endParaRPr lang="en-US"/>
           </a:p>
@@ -1606,7 +1606,7 @@
           <a:p>
             <a:fld id="{5CE694BB-E07A-4072-9D50-82589D44789C}" type="datetimeFigureOut">
               <a:rPr lang="en-US" smtClean="0"/>
-              <a:t>7/5/2017</a:t>
+              <a:t>7/6/2017</a:t>
             </a:fld>
             <a:endParaRPr lang="en-US"/>
           </a:p>
@@ -1724,7 +1724,7 @@
           <a:p>
             <a:fld id="{5CE694BB-E07A-4072-9D50-82589D44789C}" type="datetimeFigureOut">
               <a:rPr lang="en-US" smtClean="0"/>
-              <a:t>7/5/2017</a:t>
+              <a:t>7/6/2017</a:t>
             </a:fld>
             <a:endParaRPr lang="en-US"/>
           </a:p>
@@ -1819,7 +1819,7 @@
           <a:p>
             <a:fld id="{5CE694BB-E07A-4072-9D50-82589D44789C}" type="datetimeFigureOut">
               <a:rPr lang="en-US" smtClean="0"/>
-              <a:t>7/5/2017</a:t>
+              <a:t>7/6/2017</a:t>
             </a:fld>
             <a:endParaRPr lang="en-US"/>
           </a:p>
@@ -2096,7 +2096,7 @@
           <a:p>
             <a:fld id="{5CE694BB-E07A-4072-9D50-82589D44789C}" type="datetimeFigureOut">
               <a:rPr lang="en-US" smtClean="0"/>
-              <a:t>7/5/2017</a:t>
+              <a:t>7/6/2017</a:t>
             </a:fld>
             <a:endParaRPr lang="en-US"/>
           </a:p>
@@ -2353,7 +2353,7 @@
           <a:p>
             <a:fld id="{5CE694BB-E07A-4072-9D50-82589D44789C}" type="datetimeFigureOut">
               <a:rPr lang="en-US" smtClean="0"/>
-              <a:t>7/5/2017</a:t>
+              <a:t>7/6/2017</a:t>
             </a:fld>
             <a:endParaRPr lang="en-US"/>
           </a:p>
@@ -2566,7 +2566,7 @@
           <a:p>
             <a:fld id="{5CE694BB-E07A-4072-9D50-82589D44789C}" type="datetimeFigureOut">
               <a:rPr lang="en-US" smtClean="0"/>
-              <a:t>7/5/2017</a:t>
+              <a:t>7/6/2017</a:t>
             </a:fld>
             <a:endParaRPr lang="en-US"/>
           </a:p>
@@ -6009,7 +6009,7 @@
         </p:nvCxnSpPr>
         <p:spPr>
           <a:xfrm flipV="1">
-            <a:off x="4202685" y="1210955"/>
+            <a:off x="4243549" y="1210955"/>
             <a:ext cx="0" cy="809756"/>
           </a:xfrm>
           <a:prstGeom prst="straightConnector1">
@@ -6042,7 +6042,7 @@
         </p:nvCxnSpPr>
         <p:spPr>
           <a:xfrm flipV="1">
-            <a:off x="5208526" y="1210955"/>
+            <a:off x="5249390" y="1210955"/>
             <a:ext cx="0" cy="809756"/>
           </a:xfrm>
           <a:prstGeom prst="straightConnector1">
@@ -6075,7 +6075,7 @@
         </p:nvCxnSpPr>
         <p:spPr>
           <a:xfrm flipV="1">
-            <a:off x="6291201" y="1210955"/>
+            <a:off x="6332065" y="1210955"/>
             <a:ext cx="0" cy="809756"/>
           </a:xfrm>
           <a:prstGeom prst="straightConnector1">
@@ -6108,7 +6108,7 @@
         </p:nvCxnSpPr>
         <p:spPr>
           <a:xfrm flipV="1">
-            <a:off x="7391400" y="1210955"/>
+            <a:off x="7432264" y="1210955"/>
             <a:ext cx="0" cy="809756"/>
           </a:xfrm>
           <a:prstGeom prst="straightConnector1">
@@ -6141,7 +6141,7 @@
         </p:nvCxnSpPr>
         <p:spPr>
           <a:xfrm flipV="1">
-            <a:off x="8601340" y="1210955"/>
+            <a:off x="8642204" y="1210955"/>
             <a:ext cx="0" cy="809756"/>
           </a:xfrm>
           <a:prstGeom prst="straightConnector1">
@@ -6174,7 +6174,7 @@
         </p:nvCxnSpPr>
         <p:spPr>
           <a:xfrm flipV="1">
-            <a:off x="9790319" y="1227175"/>
+            <a:off x="9831183" y="1227175"/>
             <a:ext cx="0" cy="809756"/>
           </a:xfrm>
           <a:prstGeom prst="straightConnector1">
@@ -6207,7 +6207,7 @@
         </p:nvCxnSpPr>
         <p:spPr>
           <a:xfrm flipV="1">
-            <a:off x="10931936" y="1227175"/>
+            <a:off x="10972800" y="1227175"/>
             <a:ext cx="0" cy="809756"/>
           </a:xfrm>
           <a:prstGeom prst="straightConnector1">
@@ -6240,7 +6240,7 @@
         </p:nvSpPr>
         <p:spPr>
           <a:xfrm>
-            <a:off x="3810000" y="533400"/>
+            <a:off x="3868134" y="533400"/>
             <a:ext cx="741925" cy="685800"/>
           </a:xfrm>
           <a:prstGeom prst="rect">
@@ -6298,7 +6298,7 @@
         </p:nvSpPr>
         <p:spPr>
           <a:xfrm>
-            <a:off x="5784380" y="523431"/>
+            <a:off x="5842514" y="523431"/>
             <a:ext cx="1013641" cy="695769"/>
           </a:xfrm>
           <a:prstGeom prst="rect">
@@ -6333,14 +6333,22 @@
           <a:p>
             <a:pPr algn="ctr"/>
             <a:r>
-              <a:rPr lang="en-US" sz="3200" dirty="0" smtClean="0">
+              <a:rPr lang="en-US" altLang="zh-CN" sz="2800" dirty="0">
                 <a:solidFill>
                   <a:schemeClr val="tx1"/>
                 </a:solidFill>
               </a:rPr>
-              <a:t>I-CW</a:t>
-            </a:r>
-            <a:endParaRPr lang="en-US" sz="1400" dirty="0">
+              <a:t>B</a:t>
+            </a:r>
+            <a:r>
+              <a:rPr lang="en-US" sz="2800" dirty="0" smtClean="0">
+                <a:solidFill>
+                  <a:schemeClr val="tx1"/>
+                </a:solidFill>
+              </a:rPr>
+              <a:t>-CW</a:t>
+            </a:r>
+            <a:endParaRPr lang="en-US" sz="1200" dirty="0">
               <a:solidFill>
                 <a:schemeClr val="tx1"/>
               </a:solidFill>
@@ -6356,7 +6364,7 @@
         </p:nvSpPr>
         <p:spPr>
           <a:xfrm>
-            <a:off x="4829552" y="541375"/>
+            <a:off x="4887686" y="541375"/>
             <a:ext cx="741925" cy="685800"/>
           </a:xfrm>
           <a:prstGeom prst="rect">
@@ -6414,7 +6422,7 @@
         </p:nvSpPr>
         <p:spPr>
           <a:xfrm>
-            <a:off x="7030475" y="533400"/>
+            <a:off x="7088609" y="533400"/>
             <a:ext cx="741925" cy="685800"/>
           </a:xfrm>
           <a:prstGeom prst="rect">
@@ -6472,7 +6480,7 @@
         </p:nvSpPr>
         <p:spPr>
           <a:xfrm>
-            <a:off x="8249675" y="533400"/>
+            <a:off x="8307809" y="533400"/>
             <a:ext cx="741925" cy="685800"/>
           </a:xfrm>
           <a:prstGeom prst="rect">
@@ -6530,7 +6538,7 @@
         </p:nvSpPr>
         <p:spPr>
           <a:xfrm>
-            <a:off x="9421557" y="533400"/>
+            <a:off x="9479691" y="533400"/>
             <a:ext cx="741925" cy="685800"/>
           </a:xfrm>
           <a:prstGeom prst="rect">
@@ -6588,7 +6596,7 @@
         </p:nvSpPr>
         <p:spPr>
           <a:xfrm>
-            <a:off x="10553741" y="523431"/>
+            <a:off x="10611875" y="523431"/>
             <a:ext cx="741925" cy="685800"/>
           </a:xfrm>
           <a:prstGeom prst="rect">
